--- a/ppt/Brokering Techniques for Managing Three-Tier Applications in Distributed Cloud Computing Environments.pptx
+++ b/ppt/Brokering Techniques for Managing Three-Tier Applications in Distributed Cloud Computing Environments.pptx
@@ -151,7 +151,7 @@
   </p:defaultTextStyle>
   <p:extLst>
     <p:ext uri="{EFAFB233-063F-42B5-8137-9DF3F51BA10A}">
-      <p15:sldGuideLst xmlns:p15="http://schemas.microsoft.com/office/powerpoint/2012/main"/>
+      <p15:sldGuideLst xmlns:p15="http://schemas.microsoft.com/office/powerpoint/2012/main" xmlns=""/>
     </p:ext>
   </p:extLst>
 </p:presentation>
@@ -160,11 +160,7 @@
 <file path=ppt/commentAuthors.xml><?xml version="1.0" encoding="utf-8"?>
 <p:cmAuthorLst xmlns:a="http://schemas.openxmlformats.org/drawingml/2006/main" xmlns:r="http://schemas.openxmlformats.org/officeDocument/2006/relationships" xmlns:p="http://schemas.openxmlformats.org/presentationml/2006/main">
   <p:cmAuthor id="1" name="nikolay" initials="n" lastIdx="6" clrIdx="0">
-    <p:extLst>
-      <p:ext uri="{19B8F6BF-5375-455C-9EA6-DF929625EA0E}">
-        <p15:presenceInfo xmlns:p15="http://schemas.microsoft.com/office/powerpoint/2012/main" userId="nikolay" providerId="None"/>
-      </p:ext>
-    </p:extLst>
+    <p:extLst/>
   </p:cmAuthor>
 </p:cmAuthorLst>
 </file>
@@ -321,7 +317,7 @@
           <a:p>
             <a:fld id="{EC19AFEB-F888-4791-BB08-A85CB1376956}" type="datetimeFigureOut">
               <a:rPr lang="en-GB" smtClean="0"/>
-              <a:t>05/10/2015</a:t>
+              <a:t>3/6/16</a:t>
             </a:fld>
             <a:endParaRPr lang="en-GB"/>
           </a:p>
@@ -804,7 +800,7 @@
           <a:p>
             <a:fld id="{07AEF745-8F04-4585-AC44-7EB7DFA57D02}" type="datetime1">
               <a:rPr lang="en-US" smtClean="0"/>
-              <a:t>10/5/2015</a:t>
+              <a:t>3/6/16</a:t>
             </a:fld>
             <a:endParaRPr lang="en-US"/>
           </a:p>
@@ -974,7 +970,7 @@
           <a:p>
             <a:fld id="{9212B79A-5F90-47B2-8071-0D17CB83BD8A}" type="datetime1">
               <a:rPr lang="en-US" smtClean="0"/>
-              <a:t>10/5/2015</a:t>
+              <a:t>3/6/16</a:t>
             </a:fld>
             <a:endParaRPr lang="en-US"/>
           </a:p>
@@ -1154,7 +1150,7 @@
           <a:p>
             <a:fld id="{17D81D34-9768-40E4-9CBF-FBBB49CB6974}" type="datetime1">
               <a:rPr lang="en-US" smtClean="0"/>
-              <a:t>10/5/2015</a:t>
+              <a:t>3/6/16</a:t>
             </a:fld>
             <a:endParaRPr lang="en-US"/>
           </a:p>
@@ -1324,7 +1320,7 @@
           <a:p>
             <a:fld id="{F693E88F-D8E8-4EF3-9E43-15B08FCE7A0D}" type="datetime1">
               <a:rPr lang="en-US" smtClean="0"/>
-              <a:t>10/5/2015</a:t>
+              <a:t>3/6/16</a:t>
             </a:fld>
             <a:endParaRPr lang="en-US"/>
           </a:p>
@@ -1385,7 +1381,7 @@
   <p:timing>
     <p:tnLst>
       <p:par>
-        <p:cTn id="1" dur="indefinite" restart="never" nodeType="tmRoot"/>
+        <p:cTn xmlns:p14="http://schemas.microsoft.com/office/powerpoint/2010/main" id="1" dur="indefinite" restart="never" nodeType="tmRoot"/>
       </p:par>
     </p:tnLst>
   </p:timing>
@@ -1577,7 +1573,7 @@
           <a:p>
             <a:fld id="{57C2F25B-3D70-48F3-9522-57669F2845F0}" type="datetime1">
               <a:rPr lang="en-US" smtClean="0"/>
-              <a:t>10/5/2015</a:t>
+              <a:t>3/6/16</a:t>
             </a:fld>
             <a:endParaRPr lang="en-US"/>
           </a:p>
@@ -1809,7 +1805,7 @@
           <a:p>
             <a:fld id="{DDFC0BF6-2D48-4A3C-999B-8BDEB09F949E}" type="datetime1">
               <a:rPr lang="en-US" smtClean="0"/>
-              <a:t>10/5/2015</a:t>
+              <a:t>3/6/16</a:t>
             </a:fld>
             <a:endParaRPr lang="en-US"/>
           </a:p>
@@ -2176,7 +2172,7 @@
           <a:p>
             <a:fld id="{74870EED-D6C0-4A24-8A07-573EF50475BD}" type="datetime1">
               <a:rPr lang="en-US" smtClean="0"/>
-              <a:t>10/5/2015</a:t>
+              <a:t>3/6/16</a:t>
             </a:fld>
             <a:endParaRPr lang="en-US"/>
           </a:p>
@@ -2294,7 +2290,7 @@
           <a:p>
             <a:fld id="{2160D3CB-128B-44C0-A699-D4E9EF8FD06C}" type="datetime1">
               <a:rPr lang="en-US" smtClean="0"/>
-              <a:t>10/5/2015</a:t>
+              <a:t>3/6/16</a:t>
             </a:fld>
             <a:endParaRPr lang="en-US"/>
           </a:p>
@@ -2389,7 +2385,7 @@
           <a:p>
             <a:fld id="{66455C2A-E1E2-4C2B-8797-C82F515C022D}" type="datetime1">
               <a:rPr lang="en-US" smtClean="0"/>
-              <a:t>10/5/2015</a:t>
+              <a:t>3/6/16</a:t>
             </a:fld>
             <a:endParaRPr lang="en-US"/>
           </a:p>
@@ -2666,7 +2662,7 @@
           <a:p>
             <a:fld id="{7999FEF2-9014-44F2-9799-A07F7ADAE5E9}" type="datetime1">
               <a:rPr lang="en-US" smtClean="0"/>
-              <a:t>10/5/2015</a:t>
+              <a:t>3/6/16</a:t>
             </a:fld>
             <a:endParaRPr lang="en-US"/>
           </a:p>
@@ -2919,7 +2915,7 @@
           <a:p>
             <a:fld id="{2A9BC354-7856-420B-A292-2AE003CED782}" type="datetime1">
               <a:rPr lang="en-US" smtClean="0"/>
-              <a:t>10/5/2015</a:t>
+              <a:t>3/6/16</a:t>
             </a:fld>
             <a:endParaRPr lang="en-US"/>
           </a:p>
@@ -3132,7 +3128,7 @@
           <a:p>
             <a:fld id="{A8F9DE49-A025-4935-949E-58C5E5955F32}" type="datetime1">
               <a:rPr lang="en-US" smtClean="0"/>
-              <a:t>10/5/2015</a:t>
+              <a:t>3/6/16</a:t>
             </a:fld>
             <a:endParaRPr lang="en-US"/>
           </a:p>
@@ -3550,28 +3546,21 @@
         </p:nvSpPr>
         <p:spPr>
           <a:xfrm>
-            <a:off x="1524000" y="668856"/>
+            <a:off x="1524000" y="602706"/>
             <a:ext cx="9144000" cy="1828800"/>
           </a:xfrm>
         </p:spPr>
         <p:txBody>
           <a:bodyPr>
-            <a:normAutofit/>
+            <a:noAutofit/>
           </a:bodyPr>
           <a:lstStyle/>
           <a:p>
             <a:r>
-              <a:rPr lang="en-US" b="1" dirty="0" smtClean="0"/>
-              <a:t>Multi-Cloud Brokering of </a:t>
-            </a:r>
-            <a:br>
-              <a:rPr lang="en-US" b="1" dirty="0" smtClean="0"/>
-            </a:br>
-            <a:r>
-              <a:rPr lang="en-US" b="1" dirty="0" smtClean="0"/>
-              <a:t>3-Tier Applications</a:t>
-            </a:r>
-            <a:endParaRPr lang="en-US" b="1" dirty="0"/>
+              <a:rPr lang="en-US" sz="4600" b="1" dirty="0"/>
+              <a:t>Brokering Techniques for Managing Three-Tier Applications in Distributed Cloud Computing Environments</a:t>
+            </a:r>
+            <a:endParaRPr lang="en-US" sz="4600" b="1" dirty="0"/>
           </a:p>
         </p:txBody>
       </p:sp>
@@ -3769,7 +3758,7 @@
   <p:timing>
     <p:tnLst>
       <p:par>
-        <p:cTn id="1" dur="indefinite" restart="never" nodeType="tmRoot"/>
+        <p:cTn xmlns:p14="http://schemas.microsoft.com/office/powerpoint/2010/main" id="1" dur="indefinite" restart="never" nodeType="tmRoot"/>
       </p:par>
     </p:tnLst>
   </p:timing>
@@ -3932,7 +3921,7 @@
   <p:timing>
     <p:tnLst>
       <p:par>
-        <p:cTn id="1" dur="indefinite" restart="never" nodeType="tmRoot"/>
+        <p:cTn xmlns:p14="http://schemas.microsoft.com/office/powerpoint/2010/main" id="1" dur="indefinite" restart="never" nodeType="tmRoot"/>
       </p:par>
     </p:tnLst>
   </p:timing>
@@ -4041,7 +4030,7 @@
   <p:timing>
     <p:tnLst>
       <p:par>
-        <p:cTn id="1" dur="indefinite" restart="never" nodeType="tmRoot"/>
+        <p:cTn xmlns:p14="http://schemas.microsoft.com/office/powerpoint/2010/main" id="1" dur="indefinite" restart="never" nodeType="tmRoot"/>
       </p:par>
     </p:tnLst>
   </p:timing>
@@ -4497,7 +4486,7 @@
   <p:timing>
     <p:tnLst>
       <p:par>
-        <p:cTn id="1" dur="indefinite" restart="never" nodeType="tmRoot"/>
+        <p:cTn xmlns:p14="http://schemas.microsoft.com/office/powerpoint/2010/main" id="1" dur="indefinite" restart="never" nodeType="tmRoot"/>
       </p:par>
     </p:tnLst>
   </p:timing>
@@ -4609,7 +4598,7 @@
   <p:timing>
     <p:tnLst>
       <p:par>
-        <p:cTn id="1" dur="indefinite" restart="never" nodeType="tmRoot"/>
+        <p:cTn xmlns:p14="http://schemas.microsoft.com/office/powerpoint/2010/main" id="1" dur="indefinite" restart="never" nodeType="tmRoot"/>
       </p:par>
     </p:tnLst>
   </p:timing>
@@ -4834,7 +4823,7 @@
   <p:timing>
     <p:tnLst>
       <p:par>
-        <p:cTn id="1" dur="indefinite" restart="never" nodeType="tmRoot"/>
+        <p:cTn xmlns:p14="http://schemas.microsoft.com/office/powerpoint/2010/main" id="1" dur="indefinite" restart="never" nodeType="tmRoot"/>
       </p:par>
     </p:tnLst>
   </p:timing>
@@ -5048,7 +5037,7 @@
   <p:timing>
     <p:tnLst>
       <p:par>
-        <p:cTn id="1" dur="indefinite" restart="never" nodeType="tmRoot"/>
+        <p:cTn xmlns:p14="http://schemas.microsoft.com/office/powerpoint/2010/main" id="1" dur="indefinite" restart="never" nodeType="tmRoot"/>
       </p:par>
     </p:tnLst>
   </p:timing>
@@ -5207,7 +5196,7 @@
   <p:timing>
     <p:tnLst>
       <p:par>
-        <p:cTn id="1" dur="indefinite" restart="never" nodeType="tmRoot"/>
+        <p:cTn xmlns:p14="http://schemas.microsoft.com/office/powerpoint/2010/main" id="1" dur="indefinite" restart="never" nodeType="tmRoot"/>
       </p:par>
     </p:tnLst>
   </p:timing>
@@ -5343,7 +5332,7 @@
   <p:timing>
     <p:tnLst>
       <p:par>
-        <p:cTn id="1" dur="indefinite" restart="never" nodeType="tmRoot">
+        <p:cTn xmlns:p14="http://schemas.microsoft.com/office/powerpoint/2010/main" id="1" dur="indefinite" restart="never" nodeType="tmRoot">
           <p:childTnLst>
             <p:seq concurrent="1" nextAc="seek">
               <p:cTn id="2" dur="indefinite" nodeType="mainSeq">
@@ -5569,7 +5558,7 @@
   <p:timing>
     <p:tnLst>
       <p:par>
-        <p:cTn id="1" dur="indefinite" restart="never" nodeType="tmRoot"/>
+        <p:cTn xmlns:p14="http://schemas.microsoft.com/office/powerpoint/2010/main" id="1" dur="indefinite" restart="never" nodeType="tmRoot"/>
       </p:par>
     </p:tnLst>
   </p:timing>
@@ -5978,7 +5967,7 @@
   <p:timing>
     <p:tnLst>
       <p:par>
-        <p:cTn id="1" dur="indefinite" restart="never" nodeType="tmRoot">
+        <p:cTn xmlns:p14="http://schemas.microsoft.com/office/powerpoint/2010/main" id="1" dur="indefinite" restart="never" nodeType="tmRoot">
           <p:childTnLst>
             <p:seq concurrent="1" nextAc="seek">
               <p:cTn id="2" dur="indefinite" nodeType="mainSeq">
@@ -6373,7 +6362,7 @@
   <p:timing>
     <p:tnLst>
       <p:par>
-        <p:cTn id="1" dur="indefinite" restart="never" nodeType="tmRoot">
+        <p:cTn xmlns:p14="http://schemas.microsoft.com/office/powerpoint/2010/main" id="1" dur="indefinite" restart="never" nodeType="tmRoot">
           <p:childTnLst>
             <p:seq concurrent="1" nextAc="seek">
               <p:cTn id="2" dur="indefinite" nodeType="mainSeq">
@@ -6687,7 +6676,7 @@
   <p:timing>
     <p:tnLst>
       <p:par>
-        <p:cTn id="1" dur="indefinite" restart="never" nodeType="tmRoot">
+        <p:cTn xmlns:p14="http://schemas.microsoft.com/office/powerpoint/2010/main" id="1" dur="indefinite" restart="never" nodeType="tmRoot">
           <p:childTnLst>
             <p:seq concurrent="1" nextAc="seek">
               <p:cTn id="2" dur="indefinite" nodeType="mainSeq">
@@ -7102,7 +7091,7 @@
   <p:timing>
     <p:tnLst>
       <p:par>
-        <p:cTn id="1" dur="indefinite" restart="never" nodeType="tmRoot"/>
+        <p:cTn xmlns:p14="http://schemas.microsoft.com/office/powerpoint/2010/main" id="1" dur="indefinite" restart="never" nodeType="tmRoot"/>
       </p:par>
     </p:tnLst>
   </p:timing>
@@ -7187,13 +7176,8 @@
           <a:p>
             <a:r>
               <a:rPr lang="en-US" dirty="0" smtClean="0"/>
-              <a:t>Clouds of AWS and Google in the US and Europe</a:t>
-            </a:r>
-            <a:r>
-              <a:rPr lang="en-US" dirty="0" smtClean="0"/>
-              <a:t>;</a:t>
-            </a:r>
-            <a:endParaRPr lang="en-US" dirty="0" smtClean="0"/>
+              <a:t>Clouds of AWS and Google in the US and Europe;</a:t>
+            </a:r>
           </a:p>
           <a:p>
             <a:r>
@@ -7292,7 +7276,7 @@
   <p:timing>
     <p:tnLst>
       <p:par>
-        <p:cTn id="1" dur="indefinite" restart="never" nodeType="tmRoot"/>
+        <p:cTn xmlns:p14="http://schemas.microsoft.com/office/powerpoint/2010/main" id="1" dur="indefinite" restart="never" nodeType="tmRoot"/>
       </p:par>
     </p:tnLst>
   </p:timing>
@@ -7428,7 +7412,7 @@
   <p:timing>
     <p:tnLst>
       <p:par>
-        <p:cTn id="1" dur="indefinite" restart="never" nodeType="tmRoot">
+        <p:cTn xmlns:p14="http://schemas.microsoft.com/office/powerpoint/2010/main" id="1" dur="indefinite" restart="never" nodeType="tmRoot">
           <p:childTnLst>
             <p:seq concurrent="1" nextAc="seek">
               <p:cTn id="2" dur="indefinite" nodeType="mainSeq">
@@ -7726,7 +7710,7 @@
   <p:timing>
     <p:tnLst>
       <p:par>
-        <p:cTn id="1" dur="indefinite" restart="never" nodeType="tmRoot">
+        <p:cTn xmlns:p14="http://schemas.microsoft.com/office/powerpoint/2010/main" id="1" dur="indefinite" restart="never" nodeType="tmRoot">
           <p:childTnLst>
             <p:seq concurrent="1" nextAc="seek">
               <p:cTn id="2" dur="indefinite" nodeType="mainSeq">
@@ -7914,7 +7898,7 @@
   <p:timing>
     <p:tnLst>
       <p:par>
-        <p:cTn id="1" dur="indefinite" restart="never" nodeType="tmRoot"/>
+        <p:cTn xmlns:p14="http://schemas.microsoft.com/office/powerpoint/2010/main" id="1" dur="indefinite" restart="never" nodeType="tmRoot"/>
       </p:par>
     </p:tnLst>
   </p:timing>
@@ -8236,7 +8220,7 @@
         </p:blipFill>
         <p:spPr>
           <a:xfrm>
-            <a:off x="6356123" y="4256608"/>
+            <a:off x="6356123" y="4296298"/>
             <a:ext cx="2940535" cy="592756"/>
           </a:xfrm>
           <a:prstGeom prst="rect">
@@ -8580,7 +8564,7 @@
   <p:timing>
     <p:tnLst>
       <p:par>
-        <p:cTn id="1" dur="indefinite" restart="never" nodeType="tmRoot"/>
+        <p:cTn xmlns:p14="http://schemas.microsoft.com/office/powerpoint/2010/main" id="1" dur="indefinite" restart="never" nodeType="tmRoot"/>
       </p:par>
     </p:tnLst>
   </p:timing>
@@ -8735,7 +8719,7 @@
   <p:timing>
     <p:tnLst>
       <p:par>
-        <p:cTn id="1" dur="indefinite" restart="never" nodeType="tmRoot"/>
+        <p:cTn xmlns:p14="http://schemas.microsoft.com/office/powerpoint/2010/main" id="1" dur="indefinite" restart="never" nodeType="tmRoot"/>
       </p:par>
     </p:tnLst>
   </p:timing>
@@ -8890,7 +8874,7 @@
   <p:timing>
     <p:tnLst>
       <p:par>
-        <p:cTn id="1" dur="indefinite" restart="never" nodeType="tmRoot"/>
+        <p:cTn xmlns:p14="http://schemas.microsoft.com/office/powerpoint/2010/main" id="1" dur="indefinite" restart="never" nodeType="tmRoot"/>
       </p:par>
     </p:tnLst>
   </p:timing>
@@ -9063,7 +9047,7 @@
   <p:timing>
     <p:tnLst>
       <p:par>
-        <p:cTn id="1" dur="indefinite" restart="never" nodeType="tmRoot"/>
+        <p:cTn xmlns:p14="http://schemas.microsoft.com/office/powerpoint/2010/main" id="1" dur="indefinite" restart="never" nodeType="tmRoot"/>
       </p:par>
     </p:tnLst>
   </p:timing>
@@ -9297,7 +9281,7 @@
   <p:timing>
     <p:tnLst>
       <p:par>
-        <p:cTn id="1" dur="indefinite" restart="never" nodeType="tmRoot"/>
+        <p:cTn xmlns:p14="http://schemas.microsoft.com/office/powerpoint/2010/main" id="1" dur="indefinite" restart="never" nodeType="tmRoot"/>
       </p:par>
     </p:tnLst>
   </p:timing>
@@ -9406,7 +9390,7 @@
   <p:timing>
     <p:tnLst>
       <p:par>
-        <p:cTn id="1" dur="indefinite" restart="never" nodeType="tmRoot"/>
+        <p:cTn xmlns:p14="http://schemas.microsoft.com/office/powerpoint/2010/main" id="1" dur="indefinite" restart="never" nodeType="tmRoot"/>
       </p:par>
     </p:tnLst>
   </p:timing>
@@ -9542,7 +9526,7 @@
   <p:timing>
     <p:tnLst>
       <p:par>
-        <p:cTn id="1" dur="indefinite" restart="never" nodeType="tmRoot">
+        <p:cTn xmlns:p14="http://schemas.microsoft.com/office/powerpoint/2010/main" id="1" dur="indefinite" restart="never" nodeType="tmRoot">
           <p:childTnLst>
             <p:seq concurrent="1" nextAc="seek">
               <p:cTn id="2" dur="indefinite" nodeType="mainSeq">
@@ -9738,7 +9722,7 @@
   <p:timing>
     <p:tnLst>
       <p:par>
-        <p:cTn id="1" dur="indefinite" restart="never" nodeType="tmRoot"/>
+        <p:cTn xmlns:p14="http://schemas.microsoft.com/office/powerpoint/2010/main" id="1" dur="indefinite" restart="never" nodeType="tmRoot"/>
       </p:par>
     </p:tnLst>
   </p:timing>
@@ -9847,7 +9831,7 @@
   <p:timing>
     <p:tnLst>
       <p:par>
-        <p:cTn id="1" dur="indefinite" restart="never" nodeType="tmRoot"/>
+        <p:cTn xmlns:p14="http://schemas.microsoft.com/office/powerpoint/2010/main" id="1" dur="indefinite" restart="never" nodeType="tmRoot"/>
       </p:par>
     </p:tnLst>
   </p:timing>
@@ -10168,7 +10152,7 @@
   <p:timing>
     <p:tnLst>
       <p:par>
-        <p:cTn id="1" dur="indefinite" restart="never" nodeType="tmRoot"/>
+        <p:cTn xmlns:p14="http://schemas.microsoft.com/office/powerpoint/2010/main" id="1" dur="indefinite" restart="never" nodeType="tmRoot"/>
       </p:par>
     </p:tnLst>
   </p:timing>
@@ -10490,7 +10474,7 @@
   <p:timing>
     <p:tnLst>
       <p:par>
-        <p:cTn id="1" dur="indefinite" restart="never" nodeType="tmRoot"/>
+        <p:cTn xmlns:p14="http://schemas.microsoft.com/office/powerpoint/2010/main" id="1" dur="indefinite" restart="never" nodeType="tmRoot"/>
       </p:par>
     </p:tnLst>
   </p:timing>
@@ -10651,7 +10635,7 @@
   <p:timing>
     <p:tnLst>
       <p:par>
-        <p:cTn id="1" dur="indefinite" restart="never" nodeType="tmRoot"/>
+        <p:cTn xmlns:p14="http://schemas.microsoft.com/office/powerpoint/2010/main" id="1" dur="indefinite" restart="never" nodeType="tmRoot"/>
       </p:par>
     </p:tnLst>
   </p:timing>
@@ -10808,7 +10792,7 @@
   <p:timing>
     <p:tnLst>
       <p:par>
-        <p:cTn id="1" dur="indefinite" restart="never" nodeType="tmRoot">
+        <p:cTn xmlns:p14="http://schemas.microsoft.com/office/powerpoint/2010/main" id="1" dur="indefinite" restart="never" nodeType="tmRoot">
           <p:childTnLst>
             <p:seq concurrent="1" nextAc="seek">
               <p:cTn id="2" dur="indefinite" nodeType="mainSeq">
@@ -11020,7 +11004,7 @@
   <p:timing>
     <p:tnLst>
       <p:par>
-        <p:cTn id="1" dur="indefinite" restart="never" nodeType="tmRoot">
+        <p:cTn xmlns:p14="http://schemas.microsoft.com/office/powerpoint/2010/main" id="1" dur="indefinite" restart="never" nodeType="tmRoot">
           <p:childTnLst>
             <p:seq concurrent="1" nextAc="seek">
               <p:cTn id="2" dur="indefinite" nodeType="mainSeq">
@@ -11236,7 +11220,7 @@
   <p:timing>
     <p:tnLst>
       <p:par>
-        <p:cTn id="1" dur="indefinite" restart="never" nodeType="tmRoot"/>
+        <p:cTn xmlns:p14="http://schemas.microsoft.com/office/powerpoint/2010/main" id="1" dur="indefinite" restart="never" nodeType="tmRoot"/>
       </p:par>
     </p:tnLst>
   </p:timing>
@@ -11421,7 +11405,7 @@
   <p:timing>
     <p:tnLst>
       <p:par>
-        <p:cTn id="1" dur="indefinite" restart="never" nodeType="tmRoot"/>
+        <p:cTn xmlns:p14="http://schemas.microsoft.com/office/powerpoint/2010/main" id="1" dur="indefinite" restart="never" nodeType="tmRoot"/>
       </p:par>
     </p:tnLst>
   </p:timing>
@@ -11585,7 +11569,7 @@
   <p:timing>
     <p:tnLst>
       <p:par>
-        <p:cTn id="1" dur="indefinite" restart="never" nodeType="tmRoot"/>
+        <p:cTn xmlns:p14="http://schemas.microsoft.com/office/powerpoint/2010/main" id="1" dur="indefinite" restart="never" nodeType="tmRoot"/>
       </p:par>
     </p:tnLst>
   </p:timing>
@@ -11831,7 +11815,6 @@
               <a:rPr lang="en-US" sz="2300" dirty="0" smtClean="0"/>
               <a:t>);</a:t>
             </a:r>
-            <a:endParaRPr lang="en-US" sz="2300" dirty="0" smtClean="0"/>
           </a:p>
           <a:p>
             <a:r>
@@ -11901,192 +11884,58 @@
           </a:p>
           <a:p>
             <a:r>
-              <a:rPr lang="en-US" b="1" dirty="0">
-                <a:solidFill>
-                  <a:schemeClr val="tx1">
-                    <a:lumMod val="50000"/>
-                    <a:lumOff val="50000"/>
-                  </a:schemeClr>
-                </a:solidFill>
-              </a:rPr>
-              <a:t>Nikolay </a:t>
-            </a:r>
-            <a:r>
-              <a:rPr lang="en-US" b="1" dirty="0" err="1">
-                <a:solidFill>
-                  <a:schemeClr val="tx1">
-                    <a:lumMod val="50000"/>
-                    <a:lumOff val="50000"/>
-                  </a:schemeClr>
-                </a:solidFill>
-              </a:rPr>
+              <a:rPr lang="en-US" b="1" dirty="0" err="1" smtClean="0"/>
+              <a:t>Nikolay</a:t>
+            </a:r>
+            <a:r>
+              <a:rPr lang="en-US" b="1" dirty="0" smtClean="0"/>
+              <a:t> </a:t>
+            </a:r>
+            <a:r>
+              <a:rPr lang="en-US" b="1" dirty="0" err="1"/>
               <a:t>Grozev</a:t>
             </a:r>
             <a:r>
-              <a:rPr lang="en-US" b="1" dirty="0">
-                <a:solidFill>
-                  <a:schemeClr val="tx1">
-                    <a:lumMod val="50000"/>
-                    <a:lumOff val="50000"/>
-                  </a:schemeClr>
-                </a:solidFill>
-              </a:rPr>
+              <a:rPr lang="en-US" dirty="0"/>
+              <a:t> and </a:t>
+            </a:r>
+            <a:r>
+              <a:rPr lang="en-US" dirty="0" err="1"/>
+              <a:t>Rajkumar</a:t>
+            </a:r>
+            <a:r>
+              <a:rPr lang="en-US" dirty="0"/>
               <a:t> </a:t>
             </a:r>
             <a:r>
-              <a:rPr lang="en-US" dirty="0">
-                <a:solidFill>
-                  <a:schemeClr val="tx1">
-                    <a:lumMod val="50000"/>
-                    <a:lumOff val="50000"/>
-                  </a:schemeClr>
-                </a:solidFill>
-              </a:rPr>
-              <a:t>and </a:t>
-            </a:r>
-            <a:r>
-              <a:rPr lang="en-US" dirty="0" err="1">
-                <a:solidFill>
-                  <a:schemeClr val="tx1">
-                    <a:lumMod val="50000"/>
-                    <a:lumOff val="50000"/>
-                  </a:schemeClr>
-                </a:solidFill>
-              </a:rPr>
-              <a:t>Rajkumar</a:t>
-            </a:r>
-            <a:r>
-              <a:rPr lang="en-US" dirty="0">
-                <a:solidFill>
-                  <a:schemeClr val="tx1">
-                    <a:lumMod val="50000"/>
-                    <a:lumOff val="50000"/>
-                  </a:schemeClr>
-                </a:solidFill>
-              </a:rPr>
-              <a:t> </a:t>
-            </a:r>
-            <a:r>
-              <a:rPr lang="en-US" dirty="0" err="1">
-                <a:solidFill>
-                  <a:schemeClr val="tx1">
-                    <a:lumMod val="50000"/>
-                    <a:lumOff val="50000"/>
-                  </a:schemeClr>
-                </a:solidFill>
-              </a:rPr>
+              <a:rPr lang="en-US" dirty="0" err="1"/>
               <a:t>Buyya</a:t>
             </a:r>
             <a:r>
-              <a:rPr lang="en-US" dirty="0">
-                <a:solidFill>
-                  <a:schemeClr val="tx1">
-                    <a:lumMod val="50000"/>
-                    <a:lumOff val="50000"/>
-                  </a:schemeClr>
-                </a:solidFill>
-              </a:rPr>
-              <a:t>, “Dynamic Selection of Virtual </a:t>
-            </a:r>
-            <a:r>
-              <a:rPr lang="en-US" dirty="0" smtClean="0">
-                <a:solidFill>
-                  <a:schemeClr val="tx1">
-                    <a:lumMod val="50000"/>
-                    <a:lumOff val="50000"/>
-                  </a:schemeClr>
-                </a:solidFill>
-              </a:rPr>
-              <a:t>Machines </a:t>
-            </a:r>
-            <a:r>
-              <a:rPr lang="en-GB" dirty="0" smtClean="0">
-                <a:solidFill>
-                  <a:schemeClr val="tx1">
-                    <a:lumMod val="50000"/>
-                    <a:lumOff val="50000"/>
-                  </a:schemeClr>
-                </a:solidFill>
-              </a:rPr>
-              <a:t>for </a:t>
-            </a:r>
-            <a:r>
-              <a:rPr lang="en-GB" dirty="0">
-                <a:solidFill>
-                  <a:schemeClr val="tx1">
-                    <a:lumMod val="50000"/>
-                    <a:lumOff val="50000"/>
-                  </a:schemeClr>
-                </a:solidFill>
-              </a:rPr>
-              <a:t>Application Servers in Cloud Environments”, </a:t>
-            </a:r>
-            <a:r>
-              <a:rPr lang="en-GB" i="1" dirty="0">
-                <a:solidFill>
-                  <a:schemeClr val="tx1">
-                    <a:lumMod val="50000"/>
-                    <a:lumOff val="50000"/>
-                  </a:schemeClr>
-                </a:solidFill>
-              </a:rPr>
-              <a:t>ACM Transactions </a:t>
-            </a:r>
-            <a:r>
-              <a:rPr lang="en-GB" i="1" dirty="0" smtClean="0">
-                <a:solidFill>
-                  <a:schemeClr val="tx1">
-                    <a:lumMod val="50000"/>
-                    <a:lumOff val="50000"/>
-                  </a:schemeClr>
-                </a:solidFill>
-              </a:rPr>
-              <a:t>on </a:t>
-            </a:r>
-            <a:r>
-              <a:rPr lang="en-US" i="1" dirty="0" smtClean="0">
-                <a:solidFill>
-                  <a:schemeClr val="tx1">
-                    <a:lumMod val="50000"/>
-                    <a:lumOff val="50000"/>
-                  </a:schemeClr>
-                </a:solidFill>
-              </a:rPr>
-              <a:t>Autonomous </a:t>
-            </a:r>
-            <a:r>
-              <a:rPr lang="en-US" i="1" dirty="0">
-                <a:solidFill>
-                  <a:schemeClr val="tx1">
-                    <a:lumMod val="50000"/>
-                    <a:lumOff val="50000"/>
-                  </a:schemeClr>
-                </a:solidFill>
-              </a:rPr>
-              <a:t>and Adaptive Systems</a:t>
-            </a:r>
-            <a:r>
-              <a:rPr lang="en-US" dirty="0">
-                <a:solidFill>
-                  <a:schemeClr val="tx1">
-                    <a:lumMod val="50000"/>
-                    <a:lumOff val="50000"/>
-                  </a:schemeClr>
-                </a:solidFill>
-              </a:rPr>
-              <a:t> (Under Review), 2014</a:t>
-            </a:r>
-            <a:r>
-              <a:rPr lang="en-US" dirty="0" smtClean="0">
-                <a:solidFill>
-                  <a:schemeClr val="tx1">
-                    <a:lumMod val="50000"/>
-                    <a:lumOff val="50000"/>
-                  </a:schemeClr>
-                </a:solidFill>
-              </a:rPr>
-              <a:t>;</a:t>
-            </a:r>
+              <a:rPr lang="en-US" dirty="0"/>
+              <a:t>, </a:t>
+            </a:r>
+            <a:r>
+              <a:rPr lang="en-US" dirty="0" smtClean="0"/>
+              <a:t>“Dynamic </a:t>
+            </a:r>
+            <a:r>
+              <a:rPr lang="en-US" dirty="0"/>
+              <a:t>Selection of Virtual Machines for Application Servers in Cloud </a:t>
+            </a:r>
+            <a:r>
+              <a:rPr lang="en-US" dirty="0" smtClean="0"/>
+              <a:t>Environments”, </a:t>
+            </a:r>
+            <a:r>
+              <a:rPr lang="en-US" i="1" dirty="0"/>
+              <a:t>Technical Report, CLOUDS Laboratory, The University of Melbourne</a:t>
+            </a:r>
+            <a:r>
+              <a:rPr lang="en-US" dirty="0"/>
+              <a:t>, CLOUDS-TR-2016-1</a:t>
+            </a:r>
+            <a:endParaRPr lang="en-US" dirty="0" smtClean="0"/>
           </a:p>
           <a:p>
             <a:r>
@@ -12312,7 +12161,7 @@
   <p:timing>
     <p:tnLst>
       <p:par>
-        <p:cTn id="1" dur="indefinite" restart="never" nodeType="tmRoot"/>
+        <p:cTn xmlns:p14="http://schemas.microsoft.com/office/powerpoint/2010/main" id="1" dur="indefinite" restart="never" nodeType="tmRoot"/>
       </p:par>
     </p:tnLst>
   </p:timing>
@@ -12525,7 +12374,7 @@
   <p:timing>
     <p:tnLst>
       <p:par>
-        <p:cTn id="1" dur="indefinite" restart="never" nodeType="tmRoot"/>
+        <p:cTn xmlns:p14="http://schemas.microsoft.com/office/powerpoint/2010/main" id="1" dur="indefinite" restart="never" nodeType="tmRoot"/>
       </p:par>
     </p:tnLst>
   </p:timing>
@@ -12635,7 +12484,7 @@
           </a:prstGeom>
           <a:noFill/>
           <a:extLst>
-            <a:ext uri="{909E8E84-426E-40DD-AFC4-6F175D3DCCD1}">
+            <a:ext uri="{909E8E84-426E-40dd-AFC4-6F175D3DCCD1}">
               <a14:hiddenFill xmlns:a14="http://schemas.microsoft.com/office/drawing/2010/main">
                 <a:solidFill>
                   <a:srgbClr val="FFFFFF"/>
@@ -12681,7 +12530,7 @@
   <p:timing>
     <p:tnLst>
       <p:par>
-        <p:cTn id="1" dur="indefinite" restart="never" nodeType="tmRoot"/>
+        <p:cTn xmlns:p14="http://schemas.microsoft.com/office/powerpoint/2010/main" id="1" dur="indefinite" restart="never" nodeType="tmRoot"/>
       </p:par>
     </p:tnLst>
   </p:timing>
@@ -12728,6 +12577,29 @@
           </a:p>
         </p:txBody>
       </p:sp>
+      <p:sp>
+        <p:nvSpPr>
+          <p:cNvPr id="3" name="Slide Number Placeholder 2"/>
+          <p:cNvSpPr>
+            <a:spLocks noGrp="1"/>
+          </p:cNvSpPr>
+          <p:nvPr>
+            <p:ph type="sldNum" sz="quarter" idx="12"/>
+          </p:nvPr>
+        </p:nvSpPr>
+        <p:spPr/>
+        <p:txBody>
+          <a:bodyPr/>
+          <a:lstStyle/>
+          <a:p>
+            <a:fld id="{E9AE62C8-63B4-4626-92FD-DD79EF06ECDB}" type="slidenum">
+              <a:rPr lang="en-US" smtClean="0"/>
+              <a:t>5</a:t>
+            </a:fld>
+            <a:endParaRPr lang="en-US"/>
+          </a:p>
+        </p:txBody>
+      </p:sp>
       <p:pic>
         <p:nvPicPr>
           <p:cNvPr id="5" name="Content Placeholder 4"/>
@@ -12752,21 +12624,47 @@
         </p:blipFill>
         <p:spPr>
           <a:xfrm>
-            <a:off x="1368552" y="1673484"/>
-            <a:ext cx="8053597" cy="5294244"/>
+            <a:off x="1785888" y="1368012"/>
+            <a:ext cx="7095411" cy="5388035"/>
           </a:xfrm>
         </p:spPr>
       </p:pic>
       <p:sp>
         <p:nvSpPr>
+          <p:cNvPr id="4" name="TextBox 3"/>
+          <p:cNvSpPr txBox="1"/>
+          <p:nvPr/>
+        </p:nvSpPr>
+        <p:spPr>
+          <a:xfrm>
+            <a:off x="11958842" y="4167388"/>
+            <a:ext cx="184666" cy="369332"/>
+          </a:xfrm>
+          <a:prstGeom prst="rect">
+            <a:avLst/>
+          </a:prstGeom>
+          <a:noFill/>
+        </p:spPr>
+        <p:txBody>
+          <a:bodyPr wrap="none" rtlCol="0">
+            <a:spAutoFit/>
+          </a:bodyPr>
+          <a:lstStyle/>
+          <a:p>
+            <a:endParaRPr lang="en-US" dirty="0"/>
+          </a:p>
+        </p:txBody>
+      </p:sp>
+      <p:sp>
+        <p:nvSpPr>
           <p:cNvPr id="8" name="Rectangle 7"/>
           <p:cNvSpPr/>
           <p:nvPr/>
         </p:nvSpPr>
         <p:spPr>
           <a:xfrm>
-            <a:off x="5678424" y="4535424"/>
-            <a:ext cx="3895344" cy="2258568"/>
+            <a:off x="5360928" y="4508964"/>
+            <a:ext cx="3714034" cy="2258568"/>
           </a:xfrm>
           <a:prstGeom prst="rect">
             <a:avLst/>
@@ -12801,29 +12699,6 @@
           </a:p>
         </p:txBody>
       </p:sp>
-      <p:sp>
-        <p:nvSpPr>
-          <p:cNvPr id="3" name="Slide Number Placeholder 2"/>
-          <p:cNvSpPr>
-            <a:spLocks noGrp="1"/>
-          </p:cNvSpPr>
-          <p:nvPr>
-            <p:ph type="sldNum" sz="quarter" idx="12"/>
-          </p:nvPr>
-        </p:nvSpPr>
-        <p:spPr/>
-        <p:txBody>
-          <a:bodyPr/>
-          <a:lstStyle/>
-          <a:p>
-            <a:fld id="{E9AE62C8-63B4-4626-92FD-DD79EF06ECDB}" type="slidenum">
-              <a:rPr lang="en-US" smtClean="0"/>
-              <a:t>5</a:t>
-            </a:fld>
-            <a:endParaRPr lang="en-US"/>
-          </a:p>
-        </p:txBody>
-      </p:sp>
     </p:spTree>
     <p:extLst>
       <p:ext uri="{BB962C8B-B14F-4D97-AF65-F5344CB8AC3E}">
@@ -12837,7 +12712,7 @@
   <p:timing>
     <p:tnLst>
       <p:par>
-        <p:cTn id="1" dur="indefinite" restart="never" nodeType="tmRoot">
+        <p:cTn xmlns:p14="http://schemas.microsoft.com/office/powerpoint/2010/main" id="1" dur="indefinite" restart="never" nodeType="tmRoot">
           <p:childTnLst>
             <p:seq concurrent="1" nextAc="seek">
               <p:cTn id="2" dur="indefinite" nodeType="mainSeq">
@@ -13023,7 +12898,7 @@
   <p:timing>
     <p:tnLst>
       <p:par>
-        <p:cTn id="1" dur="indefinite" restart="never" nodeType="tmRoot"/>
+        <p:cTn xmlns:p14="http://schemas.microsoft.com/office/powerpoint/2010/main" id="1" dur="indefinite" restart="never" nodeType="tmRoot"/>
       </p:par>
     </p:tnLst>
   </p:timing>
@@ -13130,7 +13005,7 @@
   <p:timing>
     <p:tnLst>
       <p:par>
-        <p:cTn id="1" dur="indefinite" restart="never" nodeType="tmRoot"/>
+        <p:cTn xmlns:p14="http://schemas.microsoft.com/office/powerpoint/2010/main" id="1" dur="indefinite" restart="never" nodeType="tmRoot"/>
       </p:par>
     </p:tnLst>
   </p:timing>
@@ -13421,7 +13296,7 @@
   <p:timing>
     <p:tnLst>
       <p:par>
-        <p:cTn id="1" dur="indefinite" restart="never" nodeType="tmRoot">
+        <p:cTn xmlns:p14="http://schemas.microsoft.com/office/powerpoint/2010/main" id="1" dur="indefinite" restart="never" nodeType="tmRoot">
           <p:childTnLst>
             <p:seq concurrent="1" nextAc="seek">
               <p:cTn id="2" dur="indefinite" nodeType="mainSeq">
@@ -13672,7 +13547,7 @@
   <p:timing>
     <p:tnLst>
       <p:par>
-        <p:cTn id="1" dur="indefinite" restart="never" nodeType="tmRoot">
+        <p:cTn xmlns:p14="http://schemas.microsoft.com/office/powerpoint/2010/main" id="1" dur="indefinite" restart="never" nodeType="tmRoot">
           <p:childTnLst>
             <p:seq concurrent="1" nextAc="seek">
               <p:cTn id="2" dur="indefinite" nodeType="mainSeq">
@@ -13801,7 +13676,7 @@
     </a:clrScheme>
     <a:fontScheme name="Office">
       <a:majorFont>
-        <a:latin typeface="Calibri Light" panose="020F0302020204030204"/>
+        <a:latin typeface="Calibri Light"/>
         <a:ea typeface=""/>
         <a:cs typeface=""/>
         <a:font script="Jpan" typeface="ＭＳ Ｐゴシック"/>
@@ -13836,7 +13711,7 @@
         <a:font script="Geor" typeface="Sylfaen"/>
       </a:majorFont>
       <a:minorFont>
-        <a:latin typeface="Calibri" panose="020F0502020204030204"/>
+        <a:latin typeface="Calibri"/>
         <a:ea typeface=""/>
         <a:cs typeface=""/>
         <a:font script="Jpan" typeface="ＭＳ Ｐゴシック"/>
@@ -14013,7 +13888,7 @@
   <a:extraClrSchemeLst/>
   <a:extLst>
     <a:ext uri="{05A4C25C-085E-4340-85A3-A5531E510DB2}">
-      <thm15:themeFamily xmlns:thm15="http://schemas.microsoft.com/office/thememl/2012/main" name="Office Theme" id="{62F939B6-93AF-4DB8-9C6B-D6C7DFDC589F}" vid="{4A3C46E8-61CC-4603-A589-7422A47A8E4A}"/>
+      <thm15:themeFamily xmlns:thm15="http://schemas.microsoft.com/office/thememl/2012/main" xmlns="" name="Office Theme" id="{62F939B6-93AF-4DB8-9C6B-D6C7DFDC589F}" vid="{4A3C46E8-61CC-4603-A589-7422A47A8E4A}"/>
     </a:ext>
   </a:extLst>
 </a:theme>
@@ -14062,7 +13937,7 @@
     </a:clrScheme>
     <a:fontScheme name="Office">
       <a:majorFont>
-        <a:latin typeface="Calibri Light" panose="020F0302020204030204"/>
+        <a:latin typeface="Calibri Light"/>
         <a:ea typeface=""/>
         <a:cs typeface=""/>
         <a:font script="Jpan" typeface="ＭＳ Ｐゴシック"/>
@@ -14097,7 +13972,7 @@
         <a:font script="Geor" typeface="Sylfaen"/>
       </a:majorFont>
       <a:minorFont>
-        <a:latin typeface="Calibri" panose="020F0502020204030204"/>
+        <a:latin typeface="Calibri"/>
         <a:ea typeface=""/>
         <a:cs typeface=""/>
         <a:font script="Jpan" typeface="ＭＳ Ｐゴシック"/>
@@ -14274,7 +14149,7 @@
   <a:extraClrSchemeLst/>
   <a:extLst>
     <a:ext uri="{05A4C25C-085E-4340-85A3-A5531E510DB2}">
-      <thm15:themeFamily xmlns:thm15="http://schemas.microsoft.com/office/thememl/2012/main" name="Office Theme" id="{62F939B6-93AF-4DB8-9C6B-D6C7DFDC589F}" vid="{4A3C46E8-61CC-4603-A589-7422A47A8E4A}"/>
+      <thm15:themeFamily xmlns:thm15="http://schemas.microsoft.com/office/thememl/2012/main" xmlns="" name="Office Theme" id="{62F939B6-93AF-4DB8-9C6B-D6C7DFDC589F}" vid="{4A3C46E8-61CC-4603-A589-7422A47A8E4A}"/>
     </a:ext>
   </a:extLst>
 </a:theme>

--- a/ppt/Brokering Techniques for Managing Three-Tier Applications in Distributed Cloud Computing Environments.pptx
+++ b/ppt/Brokering Techniques for Managing Three-Tier Applications in Distributed Cloud Computing Environments.pptx
@@ -151,7 +151,7 @@
   </p:defaultTextStyle>
   <p:extLst>
     <p:ext uri="{EFAFB233-063F-42B5-8137-9DF3F51BA10A}">
-      <p15:sldGuideLst xmlns:p15="http://schemas.microsoft.com/office/powerpoint/2012/main" xmlns=""/>
+      <p15:sldGuideLst xmlns="" xmlns:p15="http://schemas.microsoft.com/office/powerpoint/2012/main"/>
     </p:ext>
   </p:extLst>
 </p:presentation>
@@ -3546,8 +3546,8 @@
         </p:nvSpPr>
         <p:spPr>
           <a:xfrm>
-            <a:off x="1524000" y="602706"/>
-            <a:ext cx="9144000" cy="1828800"/>
+            <a:off x="1362566" y="602706"/>
+            <a:ext cx="9683487" cy="1828800"/>
           </a:xfrm>
         </p:spPr>
         <p:txBody>
@@ -3557,10 +3557,9 @@
           <a:lstStyle/>
           <a:p>
             <a:r>
-              <a:rPr lang="en-US" sz="4600" b="1" dirty="0"/>
+              <a:rPr lang="en-US" sz="4400" b="1" dirty="0"/>
               <a:t>Brokering Techniques for Managing Three-Tier Applications in Distributed Cloud Computing Environments</a:t>
             </a:r>
-            <a:endParaRPr lang="en-US" sz="4600" b="1" dirty="0"/>
           </a:p>
         </p:txBody>
       </p:sp>
@@ -13888,7 +13887,7 @@
   <a:extraClrSchemeLst/>
   <a:extLst>
     <a:ext uri="{05A4C25C-085E-4340-85A3-A5531E510DB2}">
-      <thm15:themeFamily xmlns:thm15="http://schemas.microsoft.com/office/thememl/2012/main" xmlns="" name="Office Theme" id="{62F939B6-93AF-4DB8-9C6B-D6C7DFDC589F}" vid="{4A3C46E8-61CC-4603-A589-7422A47A8E4A}"/>
+      <thm15:themeFamily xmlns="" xmlns:thm15="http://schemas.microsoft.com/office/thememl/2012/main" name="Office Theme" id="{62F939B6-93AF-4DB8-9C6B-D6C7DFDC589F}" vid="{4A3C46E8-61CC-4603-A589-7422A47A8E4A}"/>
     </a:ext>
   </a:extLst>
 </a:theme>
@@ -14149,7 +14148,7 @@
   <a:extraClrSchemeLst/>
   <a:extLst>
     <a:ext uri="{05A4C25C-085E-4340-85A3-A5531E510DB2}">
-      <thm15:themeFamily xmlns:thm15="http://schemas.microsoft.com/office/thememl/2012/main" xmlns="" name="Office Theme" id="{62F939B6-93AF-4DB8-9C6B-D6C7DFDC589F}" vid="{4A3C46E8-61CC-4603-A589-7422A47A8E4A}"/>
+      <thm15:themeFamily xmlns="" xmlns:thm15="http://schemas.microsoft.com/office/thememl/2012/main" name="Office Theme" id="{62F939B6-93AF-4DB8-9C6B-D6C7DFDC589F}" vid="{4A3C46E8-61CC-4603-A589-7422A47A8E4A}"/>
     </a:ext>
   </a:extLst>
 </a:theme>
